--- a/Strands_Swarm_AgentCore_Investor_Pitch.pptx
+++ b/Strands_Swarm_AgentCore_Investor_Pitch.pptx
@@ -5,11 +5,11 @@
     <p:sldMasterId id="2147483648" r:id="rId1"/>
   </p:sldMasterIdLst>
   <p:sldIdLst>
-    <p:sldId id="256" r:id="rId7"/>
-    <p:sldId id="257" r:id="rId8"/>
-    <p:sldId id="258" r:id="rId9"/>
-    <p:sldId id="259" r:id="rId10"/>
-    <p:sldId id="260" r:id="rId11"/>
+    <p:sldId id="256" r:id="rId2"/>
+    <p:sldId id="257" r:id="rId3"/>
+    <p:sldId id="258" r:id="rId4"/>
+    <p:sldId id="259" r:id="rId5"/>
+    <p:sldId id="260" r:id="rId6"/>
   </p:sldIdLst>
   <p:sldSz cx="9144000" cy="6858000" type="screen4x3"/>
   <p:notesSz cx="6858000" cy="9144000"/>
@@ -108,6 +108,22 @@
       </a:defRPr>
     </a:lvl9pPr>
   </p:defaultTextStyle>
+  <p:extLst>
+    <p:ext uri="{EFAFB233-063F-42B5-8137-9DF3F51BA10A}">
+      <p15:sldGuideLst xmlns:p15="http://schemas.microsoft.com/office/powerpoint/2012/main">
+        <p15:guide id="1" orient="horz" pos="2160">
+          <p15:clr>
+            <a:srgbClr val="A4A3A4"/>
+          </p15:clr>
+        </p15:guide>
+        <p15:guide id="2" pos="2880">
+          <p15:clr>
+            <a:srgbClr val="A4A3A4"/>
+          </p15:clr>
+        </p15:guide>
+      </p15:sldGuideLst>
+    </p:ext>
+  </p:extLst>
 </p:presentation>
 </file>
 
@@ -149,10 +165,9 @@
           <a:lstStyle/>
           <a:p>
             <a:r>
-              <a:rPr lang="en-US" smtClean="0"/>
+              <a:rPr lang="en-US"/>
               <a:t>Click to edit Master title style</a:t>
             </a:r>
-            <a:endParaRPr lang="en-US"/>
           </a:p>
         </p:txBody>
       </p:sp>
@@ -268,10 +283,9 @@
           </a:lstStyle>
           <a:p>
             <a:r>
-              <a:rPr lang="en-US" smtClean="0"/>
+              <a:rPr lang="en-US"/>
               <a:t>Click to edit Master subtitle style</a:t>
             </a:r>
-            <a:endParaRPr lang="en-US"/>
           </a:p>
         </p:txBody>
       </p:sp>
@@ -292,7 +306,7 @@
           <a:p>
             <a:fld id="{5BCAD085-E8A6-8845-BD4E-CB4CCA059FC4}" type="datetimeFigureOut">
               <a:rPr lang="en-US" smtClean="0"/>
-              <a:t>1/27/13</a:t>
+              <a:t>11/6/25</a:t>
             </a:fld>
             <a:endParaRPr lang="en-US"/>
           </a:p>
@@ -386,10 +400,9 @@
           <a:lstStyle/>
           <a:p>
             <a:r>
-              <a:rPr lang="en-US" smtClean="0"/>
+              <a:rPr lang="en-US"/>
               <a:t>Click to edit Master title style</a:t>
             </a:r>
-            <a:endParaRPr lang="en-US"/>
           </a:p>
         </p:txBody>
       </p:sp>
@@ -410,38 +423,37 @@
           <a:p>
             <a:pPr lvl="0"/>
             <a:r>
-              <a:rPr lang="en-US" smtClean="0"/>
+              <a:rPr lang="en-US"/>
               <a:t>Click to edit Master text styles</a:t>
             </a:r>
           </a:p>
           <a:p>
             <a:pPr lvl="1"/>
             <a:r>
-              <a:rPr lang="en-US" smtClean="0"/>
+              <a:rPr lang="en-US"/>
               <a:t>Second level</a:t>
             </a:r>
           </a:p>
           <a:p>
             <a:pPr lvl="2"/>
             <a:r>
-              <a:rPr lang="en-US" smtClean="0"/>
+              <a:rPr lang="en-US"/>
               <a:t>Third level</a:t>
             </a:r>
           </a:p>
           <a:p>
             <a:pPr lvl="3"/>
             <a:r>
-              <a:rPr lang="en-US" smtClean="0"/>
+              <a:rPr lang="en-US"/>
               <a:t>Fourth level</a:t>
             </a:r>
           </a:p>
           <a:p>
             <a:pPr lvl="4"/>
             <a:r>
-              <a:rPr lang="en-US" smtClean="0"/>
+              <a:rPr lang="en-US"/>
               <a:t>Fifth level</a:t>
             </a:r>
-            <a:endParaRPr lang="en-US"/>
           </a:p>
         </p:txBody>
       </p:sp>
@@ -462,7 +474,7 @@
           <a:p>
             <a:fld id="{5BCAD085-E8A6-8845-BD4E-CB4CCA059FC4}" type="datetimeFigureOut">
               <a:rPr lang="en-US" smtClean="0"/>
-              <a:t>1/27/13</a:t>
+              <a:t>11/6/25</a:t>
             </a:fld>
             <a:endParaRPr lang="en-US"/>
           </a:p>
@@ -561,10 +573,9 @@
           <a:lstStyle/>
           <a:p>
             <a:r>
-              <a:rPr lang="en-US" smtClean="0"/>
+              <a:rPr lang="en-US"/>
               <a:t>Click to edit Master title style</a:t>
             </a:r>
-            <a:endParaRPr lang="en-US"/>
           </a:p>
         </p:txBody>
       </p:sp>
@@ -590,38 +601,37 @@
           <a:p>
             <a:pPr lvl="0"/>
             <a:r>
-              <a:rPr lang="en-US" smtClean="0"/>
+              <a:rPr lang="en-US"/>
               <a:t>Click to edit Master text styles</a:t>
             </a:r>
           </a:p>
           <a:p>
             <a:pPr lvl="1"/>
             <a:r>
-              <a:rPr lang="en-US" smtClean="0"/>
+              <a:rPr lang="en-US"/>
               <a:t>Second level</a:t>
             </a:r>
           </a:p>
           <a:p>
             <a:pPr lvl="2"/>
             <a:r>
-              <a:rPr lang="en-US" smtClean="0"/>
+              <a:rPr lang="en-US"/>
               <a:t>Third level</a:t>
             </a:r>
           </a:p>
           <a:p>
             <a:pPr lvl="3"/>
             <a:r>
-              <a:rPr lang="en-US" smtClean="0"/>
+              <a:rPr lang="en-US"/>
               <a:t>Fourth level</a:t>
             </a:r>
           </a:p>
           <a:p>
             <a:pPr lvl="4"/>
             <a:r>
-              <a:rPr lang="en-US" smtClean="0"/>
+              <a:rPr lang="en-US"/>
               <a:t>Fifth level</a:t>
             </a:r>
-            <a:endParaRPr lang="en-US"/>
           </a:p>
         </p:txBody>
       </p:sp>
@@ -642,7 +652,7 @@
           <a:p>
             <a:fld id="{5BCAD085-E8A6-8845-BD4E-CB4CCA059FC4}" type="datetimeFigureOut">
               <a:rPr lang="en-US" smtClean="0"/>
-              <a:t>1/27/13</a:t>
+              <a:t>11/6/25</a:t>
             </a:fld>
             <a:endParaRPr lang="en-US"/>
           </a:p>
@@ -736,10 +746,9 @@
           <a:lstStyle/>
           <a:p>
             <a:r>
-              <a:rPr lang="en-US" smtClean="0"/>
+              <a:rPr lang="en-US"/>
               <a:t>Click to edit Master title style</a:t>
             </a:r>
-            <a:endParaRPr lang="en-US"/>
           </a:p>
         </p:txBody>
       </p:sp>
@@ -760,38 +769,37 @@
           <a:p>
             <a:pPr lvl="0"/>
             <a:r>
-              <a:rPr lang="en-US" smtClean="0"/>
+              <a:rPr lang="en-US"/>
               <a:t>Click to edit Master text styles</a:t>
             </a:r>
           </a:p>
           <a:p>
             <a:pPr lvl="1"/>
             <a:r>
-              <a:rPr lang="en-US" smtClean="0"/>
+              <a:rPr lang="en-US"/>
               <a:t>Second level</a:t>
             </a:r>
           </a:p>
           <a:p>
             <a:pPr lvl="2"/>
             <a:r>
-              <a:rPr lang="en-US" smtClean="0"/>
+              <a:rPr lang="en-US"/>
               <a:t>Third level</a:t>
             </a:r>
           </a:p>
           <a:p>
             <a:pPr lvl="3"/>
             <a:r>
-              <a:rPr lang="en-US" smtClean="0"/>
+              <a:rPr lang="en-US"/>
               <a:t>Fourth level</a:t>
             </a:r>
           </a:p>
           <a:p>
             <a:pPr lvl="4"/>
             <a:r>
-              <a:rPr lang="en-US" smtClean="0"/>
+              <a:rPr lang="en-US"/>
               <a:t>Fifth level</a:t>
             </a:r>
-            <a:endParaRPr lang="en-US"/>
           </a:p>
         </p:txBody>
       </p:sp>
@@ -812,7 +820,7 @@
           <a:p>
             <a:fld id="{5BCAD085-E8A6-8845-BD4E-CB4CCA059FC4}" type="datetimeFigureOut">
               <a:rPr lang="en-US" smtClean="0"/>
-              <a:t>1/27/13</a:t>
+              <a:t>11/6/25</a:t>
             </a:fld>
             <a:endParaRPr lang="en-US"/>
           </a:p>
@@ -915,10 +923,9 @@
           </a:lstStyle>
           <a:p>
             <a:r>
-              <a:rPr lang="en-US" smtClean="0"/>
+              <a:rPr lang="en-US"/>
               <a:t>Click to edit Master title style</a:t>
             </a:r>
-            <a:endParaRPr lang="en-US"/>
           </a:p>
         </p:txBody>
       </p:sp>
@@ -1035,7 +1042,7 @@
           <a:p>
             <a:pPr lvl="0"/>
             <a:r>
-              <a:rPr lang="en-US" smtClean="0"/>
+              <a:rPr lang="en-US"/>
               <a:t>Click to edit Master text styles</a:t>
             </a:r>
           </a:p>
@@ -1058,7 +1065,7 @@
           <a:p>
             <a:fld id="{5BCAD085-E8A6-8845-BD4E-CB4CCA059FC4}" type="datetimeFigureOut">
               <a:rPr lang="en-US" smtClean="0"/>
-              <a:t>1/27/13</a:t>
+              <a:t>11/6/25</a:t>
             </a:fld>
             <a:endParaRPr lang="en-US"/>
           </a:p>
@@ -1152,10 +1159,9 @@
           <a:lstStyle/>
           <a:p>
             <a:r>
-              <a:rPr lang="en-US" smtClean="0"/>
+              <a:rPr lang="en-US"/>
               <a:t>Click to edit Master title style</a:t>
             </a:r>
-            <a:endParaRPr lang="en-US"/>
           </a:p>
         </p:txBody>
       </p:sp>
@@ -1209,38 +1215,37 @@
           <a:p>
             <a:pPr lvl="0"/>
             <a:r>
-              <a:rPr lang="en-US" smtClean="0"/>
+              <a:rPr lang="en-US"/>
               <a:t>Click to edit Master text styles</a:t>
             </a:r>
           </a:p>
           <a:p>
             <a:pPr lvl="1"/>
             <a:r>
-              <a:rPr lang="en-US" smtClean="0"/>
+              <a:rPr lang="en-US"/>
               <a:t>Second level</a:t>
             </a:r>
           </a:p>
           <a:p>
             <a:pPr lvl="2"/>
             <a:r>
-              <a:rPr lang="en-US" smtClean="0"/>
+              <a:rPr lang="en-US"/>
               <a:t>Third level</a:t>
             </a:r>
           </a:p>
           <a:p>
             <a:pPr lvl="3"/>
             <a:r>
-              <a:rPr lang="en-US" smtClean="0"/>
+              <a:rPr lang="en-US"/>
               <a:t>Fourth level</a:t>
             </a:r>
           </a:p>
           <a:p>
             <a:pPr lvl="4"/>
             <a:r>
-              <a:rPr lang="en-US" smtClean="0"/>
+              <a:rPr lang="en-US"/>
               <a:t>Fifth level</a:t>
             </a:r>
-            <a:endParaRPr lang="en-US"/>
           </a:p>
         </p:txBody>
       </p:sp>
@@ -1294,38 +1299,37 @@
           <a:p>
             <a:pPr lvl="0"/>
             <a:r>
-              <a:rPr lang="en-US" smtClean="0"/>
+              <a:rPr lang="en-US"/>
               <a:t>Click to edit Master text styles</a:t>
             </a:r>
           </a:p>
           <a:p>
             <a:pPr lvl="1"/>
             <a:r>
-              <a:rPr lang="en-US" smtClean="0"/>
+              <a:rPr lang="en-US"/>
               <a:t>Second level</a:t>
             </a:r>
           </a:p>
           <a:p>
             <a:pPr lvl="2"/>
             <a:r>
-              <a:rPr lang="en-US" smtClean="0"/>
+              <a:rPr lang="en-US"/>
               <a:t>Third level</a:t>
             </a:r>
           </a:p>
           <a:p>
             <a:pPr lvl="3"/>
             <a:r>
-              <a:rPr lang="en-US" smtClean="0"/>
+              <a:rPr lang="en-US"/>
               <a:t>Fourth level</a:t>
             </a:r>
           </a:p>
           <a:p>
             <a:pPr lvl="4"/>
             <a:r>
-              <a:rPr lang="en-US" smtClean="0"/>
+              <a:rPr lang="en-US"/>
               <a:t>Fifth level</a:t>
             </a:r>
-            <a:endParaRPr lang="en-US"/>
           </a:p>
         </p:txBody>
       </p:sp>
@@ -1346,7 +1350,7 @@
           <a:p>
             <a:fld id="{5BCAD085-E8A6-8845-BD4E-CB4CCA059FC4}" type="datetimeFigureOut">
               <a:rPr lang="en-US" smtClean="0"/>
-              <a:t>1/27/13</a:t>
+              <a:t>11/6/25</a:t>
             </a:fld>
             <a:endParaRPr lang="en-US"/>
           </a:p>
@@ -1444,10 +1448,9 @@
           </a:lstStyle>
           <a:p>
             <a:r>
-              <a:rPr lang="en-US" smtClean="0"/>
+              <a:rPr lang="en-US"/>
               <a:t>Click to edit Master title style</a:t>
             </a:r>
-            <a:endParaRPr lang="en-US"/>
           </a:p>
         </p:txBody>
       </p:sp>
@@ -1510,7 +1513,7 @@
           <a:p>
             <a:pPr lvl="0"/>
             <a:r>
-              <a:rPr lang="en-US" smtClean="0"/>
+              <a:rPr lang="en-US"/>
               <a:t>Click to edit Master text styles</a:t>
             </a:r>
           </a:p>
@@ -1566,38 +1569,37 @@
           <a:p>
             <a:pPr lvl="0"/>
             <a:r>
-              <a:rPr lang="en-US" smtClean="0"/>
+              <a:rPr lang="en-US"/>
               <a:t>Click to edit Master text styles</a:t>
             </a:r>
           </a:p>
           <a:p>
             <a:pPr lvl="1"/>
             <a:r>
-              <a:rPr lang="en-US" smtClean="0"/>
+              <a:rPr lang="en-US"/>
               <a:t>Second level</a:t>
             </a:r>
           </a:p>
           <a:p>
             <a:pPr lvl="2"/>
             <a:r>
-              <a:rPr lang="en-US" smtClean="0"/>
+              <a:rPr lang="en-US"/>
               <a:t>Third level</a:t>
             </a:r>
           </a:p>
           <a:p>
             <a:pPr lvl="3"/>
             <a:r>
-              <a:rPr lang="en-US" smtClean="0"/>
+              <a:rPr lang="en-US"/>
               <a:t>Fourth level</a:t>
             </a:r>
           </a:p>
           <a:p>
             <a:pPr lvl="4"/>
             <a:r>
-              <a:rPr lang="en-US" smtClean="0"/>
+              <a:rPr lang="en-US"/>
               <a:t>Fifth level</a:t>
             </a:r>
-            <a:endParaRPr lang="en-US"/>
           </a:p>
         </p:txBody>
       </p:sp>
@@ -1660,7 +1662,7 @@
           <a:p>
             <a:pPr lvl="0"/>
             <a:r>
-              <a:rPr lang="en-US" smtClean="0"/>
+              <a:rPr lang="en-US"/>
               <a:t>Click to edit Master text styles</a:t>
             </a:r>
           </a:p>
@@ -1716,38 +1718,37 @@
           <a:p>
             <a:pPr lvl="0"/>
             <a:r>
-              <a:rPr lang="en-US" smtClean="0"/>
+              <a:rPr lang="en-US"/>
               <a:t>Click to edit Master text styles</a:t>
             </a:r>
           </a:p>
           <a:p>
             <a:pPr lvl="1"/>
             <a:r>
-              <a:rPr lang="en-US" smtClean="0"/>
+              <a:rPr lang="en-US"/>
               <a:t>Second level</a:t>
             </a:r>
           </a:p>
           <a:p>
             <a:pPr lvl="2"/>
             <a:r>
-              <a:rPr lang="en-US" smtClean="0"/>
+              <a:rPr lang="en-US"/>
               <a:t>Third level</a:t>
             </a:r>
           </a:p>
           <a:p>
             <a:pPr lvl="3"/>
             <a:r>
-              <a:rPr lang="en-US" smtClean="0"/>
+              <a:rPr lang="en-US"/>
               <a:t>Fourth level</a:t>
             </a:r>
           </a:p>
           <a:p>
             <a:pPr lvl="4"/>
             <a:r>
-              <a:rPr lang="en-US" smtClean="0"/>
+              <a:rPr lang="en-US"/>
               <a:t>Fifth level</a:t>
             </a:r>
-            <a:endParaRPr lang="en-US"/>
           </a:p>
         </p:txBody>
       </p:sp>
@@ -1768,7 +1769,7 @@
           <a:p>
             <a:fld id="{5BCAD085-E8A6-8845-BD4E-CB4CCA059FC4}" type="datetimeFigureOut">
               <a:rPr lang="en-US" smtClean="0"/>
-              <a:t>1/27/13</a:t>
+              <a:t>11/6/25</a:t>
             </a:fld>
             <a:endParaRPr lang="en-US"/>
           </a:p>
@@ -1862,10 +1863,9 @@
           <a:lstStyle/>
           <a:p>
             <a:r>
-              <a:rPr lang="en-US" smtClean="0"/>
+              <a:rPr lang="en-US"/>
               <a:t>Click to edit Master title style</a:t>
             </a:r>
-            <a:endParaRPr lang="en-US"/>
           </a:p>
         </p:txBody>
       </p:sp>
@@ -1886,7 +1886,7 @@
           <a:p>
             <a:fld id="{5BCAD085-E8A6-8845-BD4E-CB4CCA059FC4}" type="datetimeFigureOut">
               <a:rPr lang="en-US" smtClean="0"/>
-              <a:t>1/27/13</a:t>
+              <a:t>11/6/25</a:t>
             </a:fld>
             <a:endParaRPr lang="en-US"/>
           </a:p>
@@ -1981,7 +1981,7 @@
           <a:p>
             <a:fld id="{5BCAD085-E8A6-8845-BD4E-CB4CCA059FC4}" type="datetimeFigureOut">
               <a:rPr lang="en-US" smtClean="0"/>
-              <a:t>1/27/13</a:t>
+              <a:t>11/6/25</a:t>
             </a:fld>
             <a:endParaRPr lang="en-US"/>
           </a:p>
@@ -2084,10 +2084,9 @@
           </a:lstStyle>
           <a:p>
             <a:r>
-              <a:rPr lang="en-US" smtClean="0"/>
+              <a:rPr lang="en-US"/>
               <a:t>Click to edit Master title style</a:t>
             </a:r>
-            <a:endParaRPr lang="en-US"/>
           </a:p>
         </p:txBody>
       </p:sp>
@@ -2141,38 +2140,37 @@
           <a:p>
             <a:pPr lvl="0"/>
             <a:r>
-              <a:rPr lang="en-US" smtClean="0"/>
+              <a:rPr lang="en-US"/>
               <a:t>Click to edit Master text styles</a:t>
             </a:r>
           </a:p>
           <a:p>
             <a:pPr lvl="1"/>
             <a:r>
-              <a:rPr lang="en-US" smtClean="0"/>
+              <a:rPr lang="en-US"/>
               <a:t>Second level</a:t>
             </a:r>
           </a:p>
           <a:p>
             <a:pPr lvl="2"/>
             <a:r>
-              <a:rPr lang="en-US" smtClean="0"/>
+              <a:rPr lang="en-US"/>
               <a:t>Third level</a:t>
             </a:r>
           </a:p>
           <a:p>
             <a:pPr lvl="3"/>
             <a:r>
-              <a:rPr lang="en-US" smtClean="0"/>
+              <a:rPr lang="en-US"/>
               <a:t>Fourth level</a:t>
             </a:r>
           </a:p>
           <a:p>
             <a:pPr lvl="4"/>
             <a:r>
-              <a:rPr lang="en-US" smtClean="0"/>
+              <a:rPr lang="en-US"/>
               <a:t>Fifth level</a:t>
             </a:r>
-            <a:endParaRPr lang="en-US"/>
           </a:p>
         </p:txBody>
       </p:sp>
@@ -2235,7 +2233,7 @@
           <a:p>
             <a:pPr lvl="0"/>
             <a:r>
-              <a:rPr lang="en-US" smtClean="0"/>
+              <a:rPr lang="en-US"/>
               <a:t>Click to edit Master text styles</a:t>
             </a:r>
           </a:p>
@@ -2258,7 +2256,7 @@
           <a:p>
             <a:fld id="{5BCAD085-E8A6-8845-BD4E-CB4CCA059FC4}" type="datetimeFigureOut">
               <a:rPr lang="en-US" smtClean="0"/>
-              <a:t>1/27/13</a:t>
+              <a:t>11/6/25</a:t>
             </a:fld>
             <a:endParaRPr lang="en-US"/>
           </a:p>
@@ -2361,10 +2359,9 @@
           </a:lstStyle>
           <a:p>
             <a:r>
-              <a:rPr lang="en-US" smtClean="0"/>
+              <a:rPr lang="en-US"/>
               <a:t>Click to edit Master title style</a:t>
             </a:r>
-            <a:endParaRPr lang="en-US"/>
           </a:p>
         </p:txBody>
       </p:sp>
@@ -2488,7 +2485,7 @@
           <a:p>
             <a:pPr lvl="0"/>
             <a:r>
-              <a:rPr lang="en-US" smtClean="0"/>
+              <a:rPr lang="en-US"/>
               <a:t>Click to edit Master text styles</a:t>
             </a:r>
           </a:p>
@@ -2511,7 +2508,7 @@
           <a:p>
             <a:fld id="{5BCAD085-E8A6-8845-BD4E-CB4CCA059FC4}" type="datetimeFigureOut">
               <a:rPr lang="en-US" smtClean="0"/>
-              <a:t>1/27/13</a:t>
+              <a:t>11/6/25</a:t>
             </a:fld>
             <a:endParaRPr lang="en-US"/>
           </a:p>
@@ -2620,10 +2617,9 @@
           <a:lstStyle/>
           <a:p>
             <a:r>
-              <a:rPr lang="en-US" smtClean="0"/>
+              <a:rPr lang="en-US"/>
               <a:t>Click to edit Master title style</a:t>
             </a:r>
-            <a:endParaRPr lang="en-US"/>
           </a:p>
         </p:txBody>
       </p:sp>
@@ -2654,38 +2650,37 @@
           <a:p>
             <a:pPr lvl="0"/>
             <a:r>
-              <a:rPr lang="en-US" smtClean="0"/>
+              <a:rPr lang="en-US"/>
               <a:t>Click to edit Master text styles</a:t>
             </a:r>
           </a:p>
           <a:p>
             <a:pPr lvl="1"/>
             <a:r>
-              <a:rPr lang="en-US" smtClean="0"/>
+              <a:rPr lang="en-US"/>
               <a:t>Second level</a:t>
             </a:r>
           </a:p>
           <a:p>
             <a:pPr lvl="2"/>
             <a:r>
-              <a:rPr lang="en-US" smtClean="0"/>
+              <a:rPr lang="en-US"/>
               <a:t>Third level</a:t>
             </a:r>
           </a:p>
           <a:p>
             <a:pPr lvl="3"/>
             <a:r>
-              <a:rPr lang="en-US" smtClean="0"/>
+              <a:rPr lang="en-US"/>
               <a:t>Fourth level</a:t>
             </a:r>
           </a:p>
           <a:p>
             <a:pPr lvl="4"/>
             <a:r>
-              <a:rPr lang="en-US" smtClean="0"/>
+              <a:rPr lang="en-US"/>
               <a:t>Fifth level</a:t>
             </a:r>
-            <a:endParaRPr lang="en-US"/>
           </a:p>
         </p:txBody>
       </p:sp>
@@ -2724,7 +2719,7 @@
           <a:p>
             <a:fld id="{5BCAD085-E8A6-8845-BD4E-CB4CCA059FC4}" type="datetimeFigureOut">
               <a:rPr lang="en-US" smtClean="0"/>
-              <a:t>1/27/13</a:t>
+              <a:t>11/6/25</a:t>
             </a:fld>
             <a:endParaRPr lang="en-US"/>
           </a:p>
@@ -3083,7 +3078,7 @@
 </file>
 
 <file path=ppt/slides/slide1.xml><?xml version="1.0" encoding="utf-8"?>
-<p:sld xmlns:a="http://schemas.openxmlformats.org/drawingml/2006/main" xmlns:p="http://schemas.openxmlformats.org/presentationml/2006/main" xmlns:r="http://schemas.openxmlformats.org/officeDocument/2006/relationships">
+<p:sld xmlns:a="http://schemas.openxmlformats.org/drawingml/2006/main" xmlns:r="http://schemas.openxmlformats.org/officeDocument/2006/relationships" xmlns:p="http://schemas.openxmlformats.org/presentationml/2006/main">
   <p:cSld>
     <p:bg>
       <p:bgPr>
@@ -3099,7 +3094,14 @@
         <p:cNvGrpSpPr/>
         <p:nvPr/>
       </p:nvGrpSpPr>
-      <p:grpSpPr/>
+      <p:grpSpPr>
+        <a:xfrm>
+          <a:off x="0" y="0"/>
+          <a:ext cx="0" cy="0"/>
+          <a:chOff x="0" y="0"/>
+          <a:chExt cx="0" cy="0"/>
+        </a:xfrm>
+      </p:grpSpPr>
       <p:sp>
         <p:nvSpPr>
           <p:cNvPr id="2" name="Title 1"/>
@@ -3149,7 +3151,9 @@
             <a:spAutoFit/>
           </a:bodyPr>
           <a:lstStyle/>
-          <a:p/>
+          <a:p>
+            <a:endParaRPr/>
+          </a:p>
           <a:p>
             <a:pPr>
               <a:defRPr sz="2000">
@@ -3198,7 +3202,7 @@
 </file>
 
 <file path=ppt/slides/slide2.xml><?xml version="1.0" encoding="utf-8"?>
-<p:sld xmlns:a="http://schemas.openxmlformats.org/drawingml/2006/main" xmlns:p="http://schemas.openxmlformats.org/presentationml/2006/main" xmlns:r="http://schemas.openxmlformats.org/officeDocument/2006/relationships">
+<p:sld xmlns:a="http://schemas.openxmlformats.org/drawingml/2006/main" xmlns:r="http://schemas.openxmlformats.org/officeDocument/2006/relationships" xmlns:p="http://schemas.openxmlformats.org/presentationml/2006/main">
   <p:cSld>
     <p:bg>
       <p:bgPr>
@@ -3214,7 +3218,14 @@
         <p:cNvGrpSpPr/>
         <p:nvPr/>
       </p:nvGrpSpPr>
-      <p:grpSpPr/>
+      <p:grpSpPr>
+        <a:xfrm>
+          <a:off x="0" y="0"/>
+          <a:ext cx="0" cy="0"/>
+          <a:chOff x="0" y="0"/>
+          <a:chExt cx="0" cy="0"/>
+        </a:xfrm>
+      </p:grpSpPr>
       <p:sp>
         <p:nvSpPr>
           <p:cNvPr id="2" name="Title 1"/>
@@ -3264,7 +3275,9 @@
             <a:spAutoFit/>
           </a:bodyPr>
           <a:lstStyle/>
-          <a:p/>
+          <a:p>
+            <a:endParaRPr/>
+          </a:p>
           <a:p>
             <a:pPr>
               <a:defRPr sz="2000">
@@ -3317,7 +3330,7 @@
 </file>
 
 <file path=ppt/slides/slide3.xml><?xml version="1.0" encoding="utf-8"?>
-<p:sld xmlns:a="http://schemas.openxmlformats.org/drawingml/2006/main" xmlns:p="http://schemas.openxmlformats.org/presentationml/2006/main" xmlns:r="http://schemas.openxmlformats.org/officeDocument/2006/relationships">
+<p:sld xmlns:a="http://schemas.openxmlformats.org/drawingml/2006/main" xmlns:r="http://schemas.openxmlformats.org/officeDocument/2006/relationships" xmlns:p="http://schemas.openxmlformats.org/presentationml/2006/main">
   <p:cSld>
     <p:bg>
       <p:bgPr>
@@ -3333,7 +3346,14 @@
         <p:cNvGrpSpPr/>
         <p:nvPr/>
       </p:nvGrpSpPr>
-      <p:grpSpPr/>
+      <p:grpSpPr>
+        <a:xfrm>
+          <a:off x="0" y="0"/>
+          <a:ext cx="0" cy="0"/>
+          <a:chOff x="0" y="0"/>
+          <a:chExt cx="0" cy="0"/>
+        </a:xfrm>
+      </p:grpSpPr>
       <p:sp>
         <p:nvSpPr>
           <p:cNvPr id="2" name="Title 1"/>
@@ -3383,7 +3403,9 @@
             <a:spAutoFit/>
           </a:bodyPr>
           <a:lstStyle/>
-          <a:p/>
+          <a:p>
+            <a:endParaRPr/>
+          </a:p>
           <a:p>
             <a:pPr>
               <a:defRPr sz="2000">
@@ -3448,7 +3470,7 @@
 </file>
 
 <file path=ppt/slides/slide4.xml><?xml version="1.0" encoding="utf-8"?>
-<p:sld xmlns:a="http://schemas.openxmlformats.org/drawingml/2006/main" xmlns:p="http://schemas.openxmlformats.org/presentationml/2006/main" xmlns:r="http://schemas.openxmlformats.org/officeDocument/2006/relationships">
+<p:sld xmlns:a="http://schemas.openxmlformats.org/drawingml/2006/main" xmlns:r="http://schemas.openxmlformats.org/officeDocument/2006/relationships" xmlns:p="http://schemas.openxmlformats.org/presentationml/2006/main">
   <p:cSld>
     <p:bg>
       <p:bgPr>
@@ -3464,7 +3486,14 @@
         <p:cNvGrpSpPr/>
         <p:nvPr/>
       </p:nvGrpSpPr>
-      <p:grpSpPr/>
+      <p:grpSpPr>
+        <a:xfrm>
+          <a:off x="0" y="0"/>
+          <a:ext cx="0" cy="0"/>
+          <a:chOff x="0" y="0"/>
+          <a:chExt cx="0" cy="0"/>
+        </a:xfrm>
+      </p:grpSpPr>
       <p:sp>
         <p:nvSpPr>
           <p:cNvPr id="2" name="Title 1"/>
@@ -3502,7 +3531,7 @@
         <p:spPr>
           <a:xfrm>
             <a:off x="914400" y="1828800"/>
-            <a:ext cx="7315200" cy="3657600"/>
+            <a:ext cx="7315200" cy="1908215"/>
           </a:xfrm>
           <a:prstGeom prst="rect">
             <a:avLst/>
@@ -3514,7 +3543,9 @@
             <a:spAutoFit/>
           </a:bodyPr>
           <a:lstStyle/>
-          <a:p/>
+          <a:p>
+            <a:endParaRPr dirty="0"/>
+          </a:p>
           <a:p>
             <a:pPr>
               <a:defRPr sz="2000">
@@ -3524,46 +3555,34 @@
               </a:defRPr>
             </a:pPr>
             <a:r>
+              <a:rPr dirty="0"/>
               <a:t>KPIs &amp; Impact:</a:t>
             </a:r>
-            <a:br/>
-            <a:r>
+            <a:br>
+              <a:rPr dirty="0"/>
+            </a:br>
+            <a:r>
+              <a:rPr dirty="0"/>
               <a:t>• 20 daily users → scales to 500+ without infra changes</a:t>
             </a:r>
-            <a:br/>
-            <a:r>
+            <a:br>
+              <a:rPr dirty="0"/>
+            </a:br>
+            <a:r>
+              <a:rPr dirty="0"/>
               <a:t>• 90% faster insight turnaround</a:t>
             </a:r>
-            <a:br/>
-            <a:r>
+            <a:br>
+              <a:rPr dirty="0"/>
+            </a:br>
+            <a:r>
+              <a:rPr dirty="0"/>
               <a:t>• Serverless TCO &lt; $4K/month (vs $25K legacy)</a:t>
             </a:r>
-            <a:br/>
-            <a:br/>
-            <a:r>
-              <a:t>Investment Ask ($150K seed):</a:t>
-            </a:r>
-            <a:br/>
-            <a:r>
-              <a:t>• 40% Product Development</a:t>
-            </a:r>
-            <a:br/>
-            <a:r>
-              <a:t>• 30% Pilot Deployments</a:t>
-            </a:r>
-            <a:br/>
-            <a:r>
-              <a:t>• 15% Security &amp; Compliance</a:t>
-            </a:r>
-            <a:br/>
-            <a:r>
-              <a:t>• 15% Team Expansion</a:t>
-            </a:r>
-            <a:br/>
-            <a:br/>
-            <a:r>
-              <a:t>Empowering every analyst to converse with data — powered by Strands Swarm + AWS Bedrock AgentCore.</a:t>
-            </a:r>
+            <a:br>
+              <a:rPr dirty="0"/>
+            </a:br>
+            <a:endParaRPr dirty="0"/>
           </a:p>
         </p:txBody>
       </p:sp>
@@ -3576,7 +3595,7 @@
 </file>
 
 <file path=ppt/slides/slide5.xml><?xml version="1.0" encoding="utf-8"?>
-<p:sld xmlns:a="http://schemas.openxmlformats.org/drawingml/2006/main" xmlns:p="http://schemas.openxmlformats.org/presentationml/2006/main" xmlns:r="http://schemas.openxmlformats.org/officeDocument/2006/relationships">
+<p:sld xmlns:a="http://schemas.openxmlformats.org/drawingml/2006/main" xmlns:r="http://schemas.openxmlformats.org/officeDocument/2006/relationships" xmlns:p="http://schemas.openxmlformats.org/presentationml/2006/main">
   <p:cSld>
     <p:bg>
       <p:bgPr>
@@ -3592,7 +3611,14 @@
         <p:cNvGrpSpPr/>
         <p:nvPr/>
       </p:nvGrpSpPr>
-      <p:grpSpPr/>
+      <p:grpSpPr>
+        <a:xfrm>
+          <a:off x="0" y="0"/>
+          <a:ext cx="0" cy="0"/>
+          <a:chOff x="0" y="0"/>
+          <a:chExt cx="0" cy="0"/>
+        </a:xfrm>
+      </p:grpSpPr>
       <p:sp>
         <p:nvSpPr>
           <p:cNvPr id="2" name="Title 1"/>
@@ -3642,7 +3668,9 @@
             <a:spAutoFit/>
           </a:bodyPr>
           <a:lstStyle/>
-          <a:p/>
+          <a:p>
+            <a:endParaRPr/>
+          </a:p>
           <a:p>
             <a:pPr>
               <a:defRPr sz="2000">
